--- a/ShopProduct/ThietKeHeThong.pptx
+++ b/ShopProduct/ThietKeHeThong.pptx
@@ -14289,7 +14289,7 @@
           <a:p>
             <a:r>
               <a:rPr lang="en-VN"/>
-              <a:t>Với hệ thông siêu to, siêu khủng này đừng tham thiết kế tất cả chức năng !</a:t>
+              <a:t>Với hệ thống siêu to, siêu khủng này đừng tham thiết kế tất cả chức năng !</a:t>
             </a:r>
           </a:p>
         </p:txBody>
